--- a/Apresentacao.pptx
+++ b/Apresentacao.pptx
@@ -7,9 +7,11 @@
   <p:sldIdLst>
     <p:sldId id="256" r:id="rId2"/>
     <p:sldId id="257" r:id="rId3"/>
-    <p:sldId id="258" r:id="rId4"/>
-    <p:sldId id="260" r:id="rId5"/>
-    <p:sldId id="259" r:id="rId6"/>
+    <p:sldId id="259" r:id="rId4"/>
+    <p:sldId id="258" r:id="rId5"/>
+    <p:sldId id="260" r:id="rId6"/>
+    <p:sldId id="261" r:id="rId7"/>
+    <p:sldId id="262" r:id="rId8"/>
   </p:sldIdLst>
   <p:sldSz cx="12192000" cy="6858000"/>
   <p:notesSz cx="6858000" cy="9144000"/>
@@ -108,6 +110,11 @@
       </a:defRPr>
     </a:lvl9pPr>
   </p:defaultTextStyle>
+  <p:extLst>
+    <p:ext uri="{EFAFB233-063F-42B5-8137-9DF3F51BA10A}">
+      <p15:sldGuideLst xmlns:p15="http://schemas.microsoft.com/office/powerpoint/2012/main"/>
+    </p:ext>
+  </p:extLst>
 </p:presentation>
 </file>
 
@@ -5956,8 +5963,27 @@
           <a:p>
             <a:r>
               <a:rPr lang="pt-BR" dirty="0"/>
-              <a:t>Escolha de banco de dados relacional</a:t>
-            </a:r>
+              <a:t>Escolha de banco de dados </a:t>
+            </a:r>
+            <a:r>
+              <a:rPr lang="pt-BR" dirty="0" smtClean="0"/>
+              <a:t>relacional</a:t>
+            </a:r>
+          </a:p>
+          <a:p>
+            <a:endParaRPr lang="pt-BR" dirty="0"/>
+          </a:p>
+          <a:p>
+            <a:r>
+              <a:rPr lang="pt-BR" dirty="0" smtClean="0"/>
+              <a:t>14 Bancos de Dados</a:t>
+            </a:r>
+          </a:p>
+          <a:p>
+            <a:endParaRPr lang="pt-BR" dirty="0"/>
+          </a:p>
+          <a:p>
+            <a:endParaRPr lang="pt-BR" dirty="0"/>
           </a:p>
           <a:p>
             <a:endParaRPr lang="pt-BR" dirty="0"/>
@@ -5999,10 +6025,33 @@
       </p:grpSpPr>
       <p:sp>
         <p:nvSpPr>
-          <p:cNvPr id="4" name="Título 3">
+          <p:cNvPr id="2" name="Título 1"/>
+          <p:cNvSpPr>
+            <a:spLocks noGrp="1"/>
+          </p:cNvSpPr>
+          <p:nvPr>
+            <p:ph type="title"/>
+          </p:nvPr>
+        </p:nvSpPr>
+        <p:spPr/>
+        <p:txBody>
+          <a:bodyPr/>
+          <a:lstStyle/>
+          <a:p>
+            <a:r>
+              <a:rPr lang="pt-BR" dirty="0" smtClean="0"/>
+              <a:t>Pesos</a:t>
+            </a:r>
+            <a:endParaRPr lang="pt-BR" dirty="0"/>
+          </a:p>
+        </p:txBody>
+      </p:sp>
+      <p:sp>
+        <p:nvSpPr>
+          <p:cNvPr id="6" name="Espaço Reservado para Conteúdo 5">
             <a:extLst>
               <a:ext uri="{FF2B5EF4-FFF2-40B4-BE49-F238E27FC236}">
-                <a16:creationId xmlns:a16="http://schemas.microsoft.com/office/drawing/2014/main" id="{C9B0C268-CDA3-41A0-917C-A62BC4A30FC2}"/>
+                <a16:creationId xmlns:a16="http://schemas.microsoft.com/office/drawing/2014/main" id="{D05786D5-65AC-4DE4-BC36-1EAEA4451F6F}"/>
               </a:ext>
             </a:extLst>
           </p:cNvPr>
@@ -6010,121 +6059,134 @@
             <a:spLocks noGrp="1"/>
           </p:cNvSpPr>
           <p:nvPr>
-            <p:ph type="title"/>
+            <p:ph sz="half" idx="1"/>
           </p:nvPr>
         </p:nvSpPr>
         <p:spPr/>
-        <p:txBody>
-          <a:bodyPr/>
-          <a:lstStyle/>
-          <a:p>
-            <a:r>
-              <a:rPr lang="pt-BR" dirty="0"/>
-              <a:t>Atributos coletados</a:t>
-            </a:r>
-          </a:p>
-        </p:txBody>
-      </p:sp>
-      <p:sp>
-        <p:nvSpPr>
-          <p:cNvPr id="5" name="Espaço Reservado para Conteúdo 4">
-            <a:extLst>
-              <a:ext uri="{FF2B5EF4-FFF2-40B4-BE49-F238E27FC236}">
-                <a16:creationId xmlns:a16="http://schemas.microsoft.com/office/drawing/2014/main" id="{37B6F0A2-9994-48A4-B44F-A25248B14A50}"/>
-              </a:ext>
-            </a:extLst>
-          </p:cNvPr>
-          <p:cNvSpPr>
-            <a:spLocks noGrp="1"/>
-          </p:cNvSpPr>
-          <p:nvPr>
-            <p:ph sz="half" idx="1"/>
-          </p:nvPr>
-        </p:nvSpPr>
-        <p:spPr>
-          <a:xfrm>
-            <a:off x="1119999" y="1825625"/>
-            <a:ext cx="4976001" cy="4351338"/>
-          </a:xfrm>
-        </p:spPr>
         <p:txBody>
           <a:bodyPr>
             <a:normAutofit/>
           </a:bodyPr>
           <a:lstStyle/>
           <a:p>
-            <a:r>
-              <a:rPr lang="pt-BR" sz="2400" dirty="0"/>
-              <a:t>Nome: STRING</a:t>
-            </a:r>
-          </a:p>
-          <a:p>
-            <a:r>
-              <a:rPr lang="pt-BR" sz="2400" dirty="0"/>
-              <a:t>Licença: BOOLEAN</a:t>
-            </a:r>
-          </a:p>
-          <a:p>
-            <a:r>
-              <a:rPr lang="pt-BR" sz="2400" dirty="0"/>
-              <a:t>Data de lançamento: DATE</a:t>
-            </a:r>
-          </a:p>
-          <a:p>
-            <a:r>
-              <a:rPr lang="pt-BR" sz="2400" dirty="0"/>
-              <a:t>Data da ultima atualização: DATE</a:t>
-            </a:r>
-          </a:p>
-          <a:p>
-            <a:r>
-              <a:rPr lang="pt-BR" sz="2400" dirty="0"/>
-              <a:t>Suporte para Windows: BOOLEAN</a:t>
-            </a:r>
-          </a:p>
-          <a:p>
-            <a:r>
-              <a:rPr lang="pt-BR" sz="2400" dirty="0"/>
-              <a:t>Suporte para Linux: BOOLEAN</a:t>
-            </a:r>
-          </a:p>
-          <a:p>
-            <a:r>
-              <a:rPr lang="pt-BR" sz="2400" dirty="0"/>
-              <a:t>Suporte para MAC: BOOLEAN</a:t>
-            </a:r>
-          </a:p>
-          <a:p>
-            <a:r>
-              <a:rPr lang="pt-BR" sz="2400" dirty="0"/>
-              <a:t>Indexação </a:t>
-            </a:r>
-            <a:r>
-              <a:rPr lang="pt-BR" sz="2400" dirty="0" err="1"/>
-              <a:t>Hash</a:t>
-            </a:r>
-            <a:r>
-              <a:rPr lang="pt-BR" sz="2400" dirty="0"/>
-              <a:t>: BOOLEAN</a:t>
-            </a:r>
-          </a:p>
-          <a:p>
-            <a:r>
-              <a:rPr lang="pt-BR" sz="2400" dirty="0"/>
-              <a:t>Suporte à REGEX: BOOLEAN</a:t>
-            </a:r>
-          </a:p>
-        </p:txBody>
-      </p:sp>
-      <p:sp>
-        <p:nvSpPr>
-          <p:cNvPr id="6" name="Espaço Reservado para Conteúdo 5">
-            <a:extLst>
-              <a:ext uri="{FF2B5EF4-FFF2-40B4-BE49-F238E27FC236}">
-                <a16:creationId xmlns:a16="http://schemas.microsoft.com/office/drawing/2014/main" id="{BF59EC18-8E8B-4A31-B573-8990EE3F02F6}"/>
-              </a:ext>
-            </a:extLst>
-          </p:cNvPr>
+            <a:pPr marL="457200" lvl="1" indent="0">
+              <a:buNone/>
+            </a:pPr>
+            <a:r>
+              <a:rPr lang="pt-BR" sz="2800" dirty="0" smtClean="0"/>
+              <a:t>licença </a:t>
+            </a:r>
+            <a:r>
+              <a:rPr lang="pt-BR" sz="2800" dirty="0"/>
+              <a:t>= 1</a:t>
+            </a:r>
+          </a:p>
+          <a:p>
+            <a:r>
+              <a:rPr lang="pt-BR" dirty="0"/>
+              <a:t>    </a:t>
+            </a:r>
+            <a:r>
+              <a:rPr lang="pt-BR" dirty="0" err="1"/>
+              <a:t>data_lancamento</a:t>
+            </a:r>
+            <a:r>
+              <a:rPr lang="pt-BR" dirty="0"/>
+              <a:t> = 1</a:t>
+            </a:r>
+          </a:p>
+          <a:p>
+            <a:r>
+              <a:rPr lang="pt-BR" dirty="0"/>
+              <a:t>    </a:t>
+            </a:r>
+            <a:r>
+              <a:rPr lang="pt-BR" dirty="0" err="1"/>
+              <a:t>data_ultima_atualizacao</a:t>
+            </a:r>
+            <a:r>
+              <a:rPr lang="pt-BR" dirty="0"/>
+              <a:t> = 1</a:t>
+            </a:r>
+          </a:p>
+          <a:p>
+            <a:r>
+              <a:rPr lang="pt-BR" dirty="0"/>
+              <a:t>    </a:t>
+            </a:r>
+            <a:r>
+              <a:rPr lang="pt-BR" dirty="0" err="1"/>
+              <a:t>suporte_windows</a:t>
+            </a:r>
+            <a:r>
+              <a:rPr lang="pt-BR" dirty="0"/>
+              <a:t> = 1</a:t>
+            </a:r>
+          </a:p>
+          <a:p>
+            <a:r>
+              <a:rPr lang="pt-BR" dirty="0"/>
+              <a:t>    </a:t>
+            </a:r>
+            <a:r>
+              <a:rPr lang="pt-BR" dirty="0" err="1"/>
+              <a:t>suporte_linux</a:t>
+            </a:r>
+            <a:r>
+              <a:rPr lang="pt-BR" dirty="0"/>
+              <a:t> = 1</a:t>
+            </a:r>
+          </a:p>
+          <a:p>
+            <a:r>
+              <a:rPr lang="pt-BR" dirty="0"/>
+              <a:t>    </a:t>
+            </a:r>
+            <a:r>
+              <a:rPr lang="pt-BR" dirty="0" err="1"/>
+              <a:t>suporte_mac</a:t>
+            </a:r>
+            <a:r>
+              <a:rPr lang="pt-BR" dirty="0"/>
+              <a:t> = 1</a:t>
+            </a:r>
+          </a:p>
+          <a:p>
+            <a:r>
+              <a:rPr lang="pt-BR" dirty="0"/>
+              <a:t>    </a:t>
+            </a:r>
+            <a:r>
+              <a:rPr lang="pt-BR" dirty="0" err="1"/>
+              <a:t>tamanho_maximo_banco</a:t>
+            </a:r>
+            <a:r>
+              <a:rPr lang="pt-BR" dirty="0"/>
+              <a:t> = 1</a:t>
+            </a:r>
+          </a:p>
+          <a:p>
+            <a:r>
+              <a:rPr lang="pt-BR" dirty="0"/>
+              <a:t>    </a:t>
+            </a:r>
+            <a:r>
+              <a:rPr lang="pt-BR" dirty="0" err="1"/>
+              <a:t>tamanho_maximo_tabela</a:t>
+            </a:r>
+            <a:r>
+              <a:rPr lang="pt-BR" dirty="0"/>
+              <a:t> = 1</a:t>
+            </a:r>
+          </a:p>
+          <a:p>
+            <a:endParaRPr lang="pt-BR" dirty="0"/>
+          </a:p>
+        </p:txBody>
+      </p:sp>
+      <p:sp>
+        <p:nvSpPr>
+          <p:cNvPr id="3" name="Espaço Reservado para Conteúdo 2"/>
           <p:cNvSpPr>
             <a:spLocks noGrp="1"/>
           </p:cNvSpPr>
@@ -6132,70 +6194,117 @@
             <p:ph sz="half" idx="2"/>
           </p:nvPr>
         </p:nvSpPr>
-        <p:spPr>
-          <a:xfrm>
-            <a:off x="6377800" y="1825625"/>
-            <a:ext cx="4976000" cy="4351338"/>
-          </a:xfrm>
-        </p:spPr>
+        <p:spPr/>
         <p:txBody>
           <a:bodyPr>
             <a:normAutofit/>
           </a:bodyPr>
           <a:lstStyle/>
           <a:p>
-            <a:r>
-              <a:rPr lang="pt-BR" sz="2400" dirty="0"/>
-              <a:t>Tamanho máximo banco: ENUM</a:t>
-            </a:r>
-          </a:p>
-          <a:p>
-            <a:r>
-              <a:rPr lang="pt-BR" sz="2400" dirty="0"/>
-              <a:t>Tamanho máximo tabela: ENUM</a:t>
-            </a:r>
-          </a:p>
-          <a:p>
-            <a:r>
-              <a:rPr lang="pt-BR" sz="2400" dirty="0"/>
-              <a:t>Tamanho máximo linha: ENUM</a:t>
-            </a:r>
-          </a:p>
-          <a:p>
-            <a:r>
-              <a:rPr lang="pt-BR" sz="2400" dirty="0"/>
-              <a:t>Tamanho máximo </a:t>
-            </a:r>
-            <a:r>
-              <a:rPr lang="pt-BR" sz="2400" dirty="0" err="1"/>
-              <a:t>blob</a:t>
-            </a:r>
-            <a:r>
-              <a:rPr lang="pt-BR" sz="2400" dirty="0"/>
-              <a:t>: ENUM</a:t>
-            </a:r>
-          </a:p>
-          <a:p>
-            <a:r>
-              <a:rPr lang="pt-BR" sz="2400" dirty="0"/>
-              <a:t>Suporte queries em paralelo: BOOLEAN</a:t>
-            </a:r>
-          </a:p>
-          <a:p>
-            <a:r>
-              <a:rPr lang="pt-BR" sz="2400" dirty="0"/>
-              <a:t>Auditoria: BOOLEAN</a:t>
-            </a:r>
-          </a:p>
-          <a:p>
-            <a:endParaRPr lang="pt-BR" sz="2400" dirty="0"/>
+            <a:pPr marL="457200" lvl="1" indent="0">
+              <a:buNone/>
+            </a:pPr>
+            <a:r>
+              <a:rPr lang="pt-BR" sz="2800" dirty="0" err="1" smtClean="0"/>
+              <a:t>tamanho_maximo_linha</a:t>
+            </a:r>
+            <a:r>
+              <a:rPr lang="pt-BR" sz="2800" dirty="0" smtClean="0"/>
+              <a:t> </a:t>
+            </a:r>
+            <a:r>
+              <a:rPr lang="pt-BR" sz="2800" dirty="0"/>
+              <a:t>= 1</a:t>
+            </a:r>
+          </a:p>
+          <a:p>
+            <a:r>
+              <a:rPr lang="pt-BR" dirty="0"/>
+              <a:t>    </a:t>
+            </a:r>
+            <a:r>
+              <a:rPr lang="pt-BR" dirty="0" err="1"/>
+              <a:t>tamanho_maximo_blob</a:t>
+            </a:r>
+            <a:r>
+              <a:rPr lang="pt-BR" dirty="0"/>
+              <a:t> = 1</a:t>
+            </a:r>
+          </a:p>
+          <a:p>
+            <a:r>
+              <a:rPr lang="pt-BR" dirty="0"/>
+              <a:t>    </a:t>
+            </a:r>
+            <a:r>
+              <a:rPr lang="pt-BR" dirty="0" err="1"/>
+              <a:t>hash</a:t>
+            </a:r>
+            <a:r>
+              <a:rPr lang="pt-BR" dirty="0"/>
+              <a:t> = 1</a:t>
+            </a:r>
+          </a:p>
+          <a:p>
+            <a:r>
+              <a:rPr lang="pt-BR" dirty="0"/>
+              <a:t>    </a:t>
+            </a:r>
+            <a:r>
+              <a:rPr lang="pt-BR" dirty="0" err="1"/>
+              <a:t>regex</a:t>
+            </a:r>
+            <a:r>
+              <a:rPr lang="pt-BR" dirty="0"/>
+              <a:t> = 1</a:t>
+            </a:r>
+          </a:p>
+          <a:p>
+            <a:r>
+              <a:rPr lang="pt-BR" dirty="0"/>
+              <a:t>    </a:t>
+            </a:r>
+            <a:r>
+              <a:rPr lang="pt-BR" dirty="0" err="1"/>
+              <a:t>queries_em_paralelo</a:t>
+            </a:r>
+            <a:r>
+              <a:rPr lang="pt-BR" dirty="0"/>
+              <a:t> = 1</a:t>
+            </a:r>
+          </a:p>
+          <a:p>
+            <a:r>
+              <a:rPr lang="pt-BR" dirty="0"/>
+              <a:t>    cursor = 1</a:t>
+            </a:r>
+          </a:p>
+          <a:p>
+            <a:r>
+              <a:rPr lang="pt-BR" dirty="0"/>
+              <a:t>    </a:t>
+            </a:r>
+            <a:r>
+              <a:rPr lang="pt-BR" dirty="0" err="1"/>
+              <a:t>proteção_força_bruta</a:t>
+            </a:r>
+            <a:r>
+              <a:rPr lang="pt-BR" dirty="0"/>
+              <a:t> = 1</a:t>
+            </a:r>
+          </a:p>
+          <a:p>
+            <a:r>
+              <a:rPr lang="pt-BR" dirty="0"/>
+              <a:t>    auditoria = 1</a:t>
+            </a:r>
           </a:p>
         </p:txBody>
       </p:sp>
     </p:spTree>
     <p:extLst>
       <p:ext uri="{BB962C8B-B14F-4D97-AF65-F5344CB8AC3E}">
-        <p14:creationId xmlns:p14="http://schemas.microsoft.com/office/powerpoint/2010/main" val="2330252775"/>
+        <p14:creationId xmlns:p14="http://schemas.microsoft.com/office/powerpoint/2010/main" val="1176758014"/>
       </p:ext>
     </p:extLst>
   </p:cSld>
@@ -6244,8 +6353,8 @@
           <a:lstStyle/>
           <a:p>
             <a:r>
-              <a:rPr lang="pt-BR" u="sng" dirty="0"/>
-              <a:t>Modelo</a:t>
+              <a:rPr lang="pt-BR" dirty="0"/>
+              <a:t>Atributos coletados</a:t>
             </a:r>
           </a:p>
         </p:txBody>
@@ -6274,13 +6383,13 @@
         </p:spPr>
         <p:txBody>
           <a:bodyPr>
-            <a:normAutofit lnSpcReduction="10000"/>
+            <a:normAutofit/>
           </a:bodyPr>
           <a:lstStyle/>
           <a:p>
             <a:r>
               <a:rPr lang="pt-BR" sz="2400" dirty="0"/>
-              <a:t>Nome: MySQL</a:t>
+              <a:t>Nome: STRING</a:t>
             </a:r>
           </a:p>
           <a:p>
@@ -6292,57 +6401,32 @@
           <a:p>
             <a:r>
               <a:rPr lang="pt-BR" sz="2400" dirty="0"/>
-              <a:t>Data de lançamento: “</a:t>
-            </a:r>
-            <a:r>
-              <a:rPr lang="pt-BR" dirty="0"/>
-              <a:t>1995-11-01”</a:t>
-            </a:r>
-            <a:endParaRPr lang="pt-BR" sz="2400" dirty="0"/>
+              <a:t>Data de lançamento: DATE</a:t>
+            </a:r>
           </a:p>
           <a:p>
             <a:r>
               <a:rPr lang="pt-BR" sz="2400" dirty="0"/>
-              <a:t>Data da ultima atualização: “</a:t>
-            </a:r>
-            <a:r>
-              <a:rPr lang="pt-BR" dirty="0"/>
-              <a:t>2011-10-21”</a:t>
-            </a:r>
-            <a:endParaRPr lang="pt-BR" sz="2400" dirty="0"/>
+              <a:t>Data da ultima atualização: DATE</a:t>
+            </a:r>
           </a:p>
           <a:p>
             <a:r>
               <a:rPr lang="pt-BR" sz="2400" dirty="0"/>
-              <a:t>Suporte para Windows: </a:t>
-            </a:r>
-            <a:r>
-              <a:rPr lang="pt-BR" sz="2400" dirty="0" err="1"/>
-              <a:t>True</a:t>
-            </a:r>
-            <a:endParaRPr lang="pt-BR" sz="2400" dirty="0"/>
+              <a:t>Suporte para Windows: BOOLEAN</a:t>
+            </a:r>
           </a:p>
           <a:p>
             <a:r>
               <a:rPr lang="pt-BR" sz="2400" dirty="0"/>
-              <a:t>Suporte para Linux: </a:t>
-            </a:r>
-            <a:r>
-              <a:rPr lang="pt-BR" sz="2400" dirty="0" err="1"/>
-              <a:t>True</a:t>
-            </a:r>
-            <a:endParaRPr lang="pt-BR" sz="2400" dirty="0"/>
+              <a:t>Suporte para Linux: BOOLEAN</a:t>
+            </a:r>
           </a:p>
           <a:p>
             <a:r>
               <a:rPr lang="pt-BR" sz="2400" dirty="0"/>
-              <a:t>Suporte para MAC: </a:t>
-            </a:r>
-            <a:r>
-              <a:rPr lang="pt-BR" sz="2400" dirty="0" err="1"/>
-              <a:t>True</a:t>
-            </a:r>
-            <a:endParaRPr lang="pt-BR" sz="2400" dirty="0"/>
+              <a:t>Suporte para MAC: BOOLEAN</a:t>
+            </a:r>
           </a:p>
           <a:p>
             <a:r>
@@ -6355,18 +6439,13 @@
             </a:r>
             <a:r>
               <a:rPr lang="pt-BR" sz="2400" dirty="0"/>
-              <a:t>: </a:t>
-            </a:r>
-            <a:r>
-              <a:rPr lang="pt-BR" sz="2400" dirty="0" err="1"/>
-              <a:t>True</a:t>
-            </a:r>
-            <a:endParaRPr lang="pt-BR" sz="2400" dirty="0"/>
+              <a:t>: BOOLEAN</a:t>
+            </a:r>
           </a:p>
           <a:p>
             <a:r>
               <a:rPr lang="pt-BR" sz="2400" dirty="0"/>
-              <a:t>Suporte à REGEX: False</a:t>
+              <a:t>Suporte à REGEX: BOOLEAN</a:t>
             </a:r>
           </a:p>
         </p:txBody>
@@ -6395,25 +6474,25 @@
         </p:spPr>
         <p:txBody>
           <a:bodyPr>
-            <a:normAutofit lnSpcReduction="10000"/>
+            <a:normAutofit/>
           </a:bodyPr>
           <a:lstStyle/>
           <a:p>
             <a:r>
               <a:rPr lang="pt-BR" sz="2400" dirty="0"/>
-              <a:t>Tamanho máximo banco: ILIMITADO</a:t>
+              <a:t>Tamanho máximo banco: ENUM</a:t>
             </a:r>
           </a:p>
           <a:p>
             <a:r>
               <a:rPr lang="pt-BR" sz="2400" dirty="0"/>
-              <a:t>Tamanho máximo tabela: TB</a:t>
+              <a:t>Tamanho máximo tabela: ENUM</a:t>
             </a:r>
           </a:p>
           <a:p>
             <a:r>
               <a:rPr lang="pt-BR" sz="2400" dirty="0"/>
-              <a:t>Tamanho máximo linha: KB</a:t>
+              <a:t>Tamanho máximo linha: ENUM</a:t>
             </a:r>
           </a:p>
           <a:p>
@@ -6427,30 +6506,20 @@
             </a:r>
             <a:r>
               <a:rPr lang="pt-BR" sz="2400" dirty="0"/>
-              <a:t>: GB</a:t>
+              <a:t>: ENUM</a:t>
             </a:r>
           </a:p>
           <a:p>
             <a:r>
               <a:rPr lang="pt-BR" sz="2400" dirty="0"/>
-              <a:t>Suporte queries em paralelo: </a:t>
-            </a:r>
-            <a:r>
-              <a:rPr lang="pt-BR" sz="2400" dirty="0" err="1"/>
-              <a:t>True</a:t>
-            </a:r>
-            <a:endParaRPr lang="pt-BR" sz="2400" dirty="0"/>
+              <a:t>Suporte queries em paralelo: BOOLEAN</a:t>
+            </a:r>
           </a:p>
           <a:p>
             <a:r>
               <a:rPr lang="pt-BR" sz="2400" dirty="0"/>
-              <a:t>Auditoria: </a:t>
-            </a:r>
-            <a:r>
-              <a:rPr lang="pt-BR" sz="2400" dirty="0" err="1"/>
-              <a:t>True</a:t>
-            </a:r>
-            <a:endParaRPr lang="pt-BR" sz="2400" dirty="0"/>
+              <a:t>Auditoria: BOOLEAN</a:t>
+            </a:r>
           </a:p>
           <a:p>
             <a:endParaRPr lang="pt-BR" sz="2400" dirty="0"/>
@@ -6460,7 +6529,7 @@
     </p:spTree>
     <p:extLst>
       <p:ext uri="{BB962C8B-B14F-4D97-AF65-F5344CB8AC3E}">
-        <p14:creationId xmlns:p14="http://schemas.microsoft.com/office/powerpoint/2010/main" val="2013636397"/>
+        <p14:creationId xmlns:p14="http://schemas.microsoft.com/office/powerpoint/2010/main" val="2330252775"/>
       </p:ext>
     </p:extLst>
   </p:cSld>
@@ -6489,10 +6558,10 @@
       </p:grpSpPr>
       <p:sp>
         <p:nvSpPr>
-          <p:cNvPr id="5" name="Título 4">
+          <p:cNvPr id="4" name="Título 3">
             <a:extLst>
               <a:ext uri="{FF2B5EF4-FFF2-40B4-BE49-F238E27FC236}">
-                <a16:creationId xmlns:a16="http://schemas.microsoft.com/office/drawing/2014/main" id="{449B14B3-CCF7-40A2-A679-1788AD282B08}"/>
+                <a16:creationId xmlns:a16="http://schemas.microsoft.com/office/drawing/2014/main" id="{C9B0C268-CDA3-41A0-917C-A62BC4A30FC2}"/>
               </a:ext>
             </a:extLst>
           </p:cNvPr>
@@ -6508,7 +6577,144 @@
           <a:bodyPr/>
           <a:lstStyle/>
           <a:p>
-            <a:endParaRPr lang="pt-BR"/>
+            <a:r>
+              <a:rPr lang="pt-BR" u="sng" dirty="0"/>
+              <a:t>Modelo</a:t>
+            </a:r>
+          </a:p>
+        </p:txBody>
+      </p:sp>
+      <p:sp>
+        <p:nvSpPr>
+          <p:cNvPr id="5" name="Espaço Reservado para Conteúdo 4">
+            <a:extLst>
+              <a:ext uri="{FF2B5EF4-FFF2-40B4-BE49-F238E27FC236}">
+                <a16:creationId xmlns:a16="http://schemas.microsoft.com/office/drawing/2014/main" id="{37B6F0A2-9994-48A4-B44F-A25248B14A50}"/>
+              </a:ext>
+            </a:extLst>
+          </p:cNvPr>
+          <p:cNvSpPr>
+            <a:spLocks noGrp="1"/>
+          </p:cNvSpPr>
+          <p:nvPr>
+            <p:ph sz="half" idx="1"/>
+          </p:nvPr>
+        </p:nvSpPr>
+        <p:spPr>
+          <a:xfrm>
+            <a:off x="1119999" y="1825625"/>
+            <a:ext cx="4976001" cy="4351338"/>
+          </a:xfrm>
+        </p:spPr>
+        <p:txBody>
+          <a:bodyPr>
+            <a:normAutofit lnSpcReduction="10000"/>
+          </a:bodyPr>
+          <a:lstStyle/>
+          <a:p>
+            <a:r>
+              <a:rPr lang="pt-BR" sz="2400" dirty="0"/>
+              <a:t>Nome: </a:t>
+            </a:r>
+            <a:r>
+              <a:rPr lang="pt-BR" sz="2400" dirty="0" smtClean="0"/>
+              <a:t>“MySQL”</a:t>
+            </a:r>
+            <a:endParaRPr lang="pt-BR" sz="2400" dirty="0"/>
+          </a:p>
+          <a:p>
+            <a:r>
+              <a:rPr lang="pt-BR" sz="2400" dirty="0"/>
+              <a:t>Licença: BOOLEAN</a:t>
+            </a:r>
+          </a:p>
+          <a:p>
+            <a:r>
+              <a:rPr lang="pt-BR" sz="2400" dirty="0"/>
+              <a:t>Data de lançamento: </a:t>
+            </a:r>
+            <a:r>
+              <a:rPr lang="pt-BR" sz="2400" dirty="0" smtClean="0"/>
+              <a:t>“</a:t>
+            </a:r>
+            <a:r>
+              <a:rPr lang="pt-BR" dirty="0" smtClean="0"/>
+              <a:t>1995-11-01</a:t>
+            </a:r>
+            <a:r>
+              <a:rPr lang="pt-BR" dirty="0"/>
+              <a:t>”</a:t>
+            </a:r>
+            <a:endParaRPr lang="pt-BR" sz="2400" dirty="0"/>
+          </a:p>
+          <a:p>
+            <a:r>
+              <a:rPr lang="pt-BR" sz="2400" dirty="0"/>
+              <a:t>Data da ultima atualização: “</a:t>
+            </a:r>
+            <a:r>
+              <a:rPr lang="pt-BR" dirty="0" smtClean="0"/>
+              <a:t>2011-10-21”</a:t>
+            </a:r>
+            <a:endParaRPr lang="pt-BR" sz="2400" dirty="0"/>
+          </a:p>
+          <a:p>
+            <a:r>
+              <a:rPr lang="pt-BR" sz="2400" dirty="0"/>
+              <a:t>Suporte para Windows: </a:t>
+            </a:r>
+            <a:r>
+              <a:rPr lang="pt-BR" sz="2400" dirty="0" err="1"/>
+              <a:t>True</a:t>
+            </a:r>
+            <a:endParaRPr lang="pt-BR" sz="2400" dirty="0"/>
+          </a:p>
+          <a:p>
+            <a:r>
+              <a:rPr lang="pt-BR" sz="2400" dirty="0"/>
+              <a:t>Suporte para Linux: </a:t>
+            </a:r>
+            <a:r>
+              <a:rPr lang="pt-BR" sz="2400" dirty="0" err="1"/>
+              <a:t>True</a:t>
+            </a:r>
+            <a:endParaRPr lang="pt-BR" sz="2400" dirty="0"/>
+          </a:p>
+          <a:p>
+            <a:r>
+              <a:rPr lang="pt-BR" sz="2400" dirty="0"/>
+              <a:t>Suporte para MAC: </a:t>
+            </a:r>
+            <a:r>
+              <a:rPr lang="pt-BR" sz="2400" dirty="0" err="1" smtClean="0"/>
+              <a:t>True</a:t>
+            </a:r>
+            <a:endParaRPr lang="pt-BR" sz="2400" dirty="0"/>
+          </a:p>
+          <a:p>
+            <a:r>
+              <a:rPr lang="pt-BR" sz="2400" dirty="0"/>
+              <a:t>Indexação </a:t>
+            </a:r>
+            <a:r>
+              <a:rPr lang="pt-BR" sz="2400" dirty="0" err="1"/>
+              <a:t>Hash</a:t>
+            </a:r>
+            <a:r>
+              <a:rPr lang="pt-BR" sz="2400" dirty="0"/>
+              <a:t>: </a:t>
+            </a:r>
+            <a:r>
+              <a:rPr lang="pt-BR" sz="2400" dirty="0" err="1"/>
+              <a:t>True</a:t>
+            </a:r>
+            <a:endParaRPr lang="pt-BR" sz="2400" dirty="0"/>
+          </a:p>
+          <a:p>
+            <a:r>
+              <a:rPr lang="pt-BR" sz="2400" dirty="0"/>
+              <a:t>Suporte à REGEX: False</a:t>
+            </a:r>
           </a:p>
         </p:txBody>
       </p:sp>
@@ -6517,7 +6723,7 @@
           <p:cNvPr id="6" name="Espaço Reservado para Conteúdo 5">
             <a:extLst>
               <a:ext uri="{FF2B5EF4-FFF2-40B4-BE49-F238E27FC236}">
-                <a16:creationId xmlns:a16="http://schemas.microsoft.com/office/drawing/2014/main" id="{D05786D5-65AC-4DE4-BC36-1EAEA4451F6F}"/>
+                <a16:creationId xmlns:a16="http://schemas.microsoft.com/office/drawing/2014/main" id="{BF59EC18-8E8B-4A31-B573-8990EE3F02F6}"/>
               </a:ext>
             </a:extLst>
           </p:cNvPr>
@@ -6525,22 +6731,454 @@
             <a:spLocks noGrp="1"/>
           </p:cNvSpPr>
           <p:nvPr>
-            <p:ph idx="1"/>
-          </p:nvPr>
-        </p:nvSpPr>
-        <p:spPr/>
-        <p:txBody>
-          <a:bodyPr/>
-          <a:lstStyle/>
-          <a:p>
-            <a:endParaRPr lang="pt-BR" dirty="0"/>
+            <p:ph sz="half" idx="2"/>
+          </p:nvPr>
+        </p:nvSpPr>
+        <p:spPr>
+          <a:xfrm>
+            <a:off x="6380428" y="1825625"/>
+            <a:ext cx="4976000" cy="4351338"/>
+          </a:xfrm>
+        </p:spPr>
+        <p:txBody>
+          <a:bodyPr>
+            <a:normAutofit lnSpcReduction="10000"/>
+          </a:bodyPr>
+          <a:lstStyle/>
+          <a:p>
+            <a:r>
+              <a:rPr lang="pt-BR" sz="2400" dirty="0"/>
+              <a:t>Tamanho máximo banco: ILIMITADO</a:t>
+            </a:r>
+          </a:p>
+          <a:p>
+            <a:r>
+              <a:rPr lang="pt-BR" sz="2400" dirty="0"/>
+              <a:t>Tamanho máximo tabela: TB</a:t>
+            </a:r>
+          </a:p>
+          <a:p>
+            <a:r>
+              <a:rPr lang="pt-BR" sz="2400" dirty="0"/>
+              <a:t>Tamanho máximo linha: KB</a:t>
+            </a:r>
+          </a:p>
+          <a:p>
+            <a:r>
+              <a:rPr lang="pt-BR" sz="2400" dirty="0"/>
+              <a:t>Tamanho máximo </a:t>
+            </a:r>
+            <a:r>
+              <a:rPr lang="pt-BR" sz="2400" dirty="0" err="1"/>
+              <a:t>blob</a:t>
+            </a:r>
+            <a:r>
+              <a:rPr lang="pt-BR" sz="2400" dirty="0"/>
+              <a:t>: GB</a:t>
+            </a:r>
+          </a:p>
+          <a:p>
+            <a:r>
+              <a:rPr lang="pt-BR" sz="2400" dirty="0"/>
+              <a:t>Suporte queries em paralelo: </a:t>
+            </a:r>
+            <a:r>
+              <a:rPr lang="pt-BR" sz="2400" dirty="0" err="1"/>
+              <a:t>True</a:t>
+            </a:r>
+            <a:endParaRPr lang="pt-BR" sz="2400" dirty="0"/>
+          </a:p>
+          <a:p>
+            <a:r>
+              <a:rPr lang="pt-BR" sz="2400" dirty="0"/>
+              <a:t>Auditoria: </a:t>
+            </a:r>
+            <a:r>
+              <a:rPr lang="pt-BR" sz="2400" dirty="0" err="1"/>
+              <a:t>True</a:t>
+            </a:r>
+            <a:endParaRPr lang="pt-BR" sz="2400" dirty="0"/>
+          </a:p>
+          <a:p>
+            <a:endParaRPr lang="pt-BR" sz="2400" dirty="0"/>
           </a:p>
         </p:txBody>
       </p:sp>
     </p:spTree>
     <p:extLst>
       <p:ext uri="{BB962C8B-B14F-4D97-AF65-F5344CB8AC3E}">
-        <p14:creationId xmlns:p14="http://schemas.microsoft.com/office/powerpoint/2010/main" val="1176758014"/>
+        <p14:creationId xmlns:p14="http://schemas.microsoft.com/office/powerpoint/2010/main" val="2013636397"/>
+      </p:ext>
+    </p:extLst>
+  </p:cSld>
+  <p:clrMapOvr>
+    <a:masterClrMapping/>
+  </p:clrMapOvr>
+</p:sld>
+</file>
+
+<file path=ppt/slides/slide6.xml><?xml version="1.0" encoding="utf-8"?>
+<p:sld xmlns:a="http://schemas.openxmlformats.org/drawingml/2006/main" xmlns:r="http://schemas.openxmlformats.org/officeDocument/2006/relationships" xmlns:p="http://schemas.openxmlformats.org/presentationml/2006/main">
+  <p:cSld>
+    <p:spTree>
+      <p:nvGrpSpPr>
+        <p:cNvPr id="1" name=""/>
+        <p:cNvGrpSpPr/>
+        <p:nvPr/>
+      </p:nvGrpSpPr>
+      <p:grpSpPr>
+        <a:xfrm>
+          <a:off x="0" y="0"/>
+          <a:ext cx="0" cy="0"/>
+          <a:chOff x="0" y="0"/>
+          <a:chExt cx="0" cy="0"/>
+        </a:xfrm>
+      </p:grpSpPr>
+      <p:sp>
+        <p:nvSpPr>
+          <p:cNvPr id="4" name="Título 3">
+            <a:extLst>
+              <a:ext uri="{FF2B5EF4-FFF2-40B4-BE49-F238E27FC236}">
+                <a16:creationId xmlns:a16="http://schemas.microsoft.com/office/drawing/2014/main" id="{C9B0C268-CDA3-41A0-917C-A62BC4A30FC2}"/>
+              </a:ext>
+            </a:extLst>
+          </p:cNvPr>
+          <p:cNvSpPr>
+            <a:spLocks noGrp="1"/>
+          </p:cNvSpPr>
+          <p:nvPr>
+            <p:ph type="title"/>
+          </p:nvPr>
+        </p:nvSpPr>
+        <p:spPr/>
+        <p:txBody>
+          <a:bodyPr/>
+          <a:lstStyle/>
+          <a:p>
+            <a:r>
+              <a:rPr lang="pt-BR" u="sng" dirty="0" smtClean="0"/>
+              <a:t>Simulação</a:t>
+            </a:r>
+            <a:endParaRPr lang="pt-BR" u="sng" dirty="0"/>
+          </a:p>
+        </p:txBody>
+      </p:sp>
+      <p:sp>
+        <p:nvSpPr>
+          <p:cNvPr id="5" name="Espaço Reservado para Conteúdo 4">
+            <a:extLst>
+              <a:ext uri="{FF2B5EF4-FFF2-40B4-BE49-F238E27FC236}">
+                <a16:creationId xmlns:a16="http://schemas.microsoft.com/office/drawing/2014/main" id="{37B6F0A2-9994-48A4-B44F-A25248B14A50}"/>
+              </a:ext>
+            </a:extLst>
+          </p:cNvPr>
+          <p:cNvSpPr>
+            <a:spLocks noGrp="1"/>
+          </p:cNvSpPr>
+          <p:nvPr>
+            <p:ph sz="half" idx="1"/>
+          </p:nvPr>
+        </p:nvSpPr>
+        <p:spPr>
+          <a:xfrm>
+            <a:off x="1119999" y="1825625"/>
+            <a:ext cx="4976001" cy="4351338"/>
+          </a:xfrm>
+        </p:spPr>
+        <p:txBody>
+          <a:bodyPr>
+            <a:normAutofit fontScale="92500"/>
+          </a:bodyPr>
+          <a:lstStyle/>
+          <a:p>
+            <a:r>
+              <a:rPr lang="pt-BR" sz="2400" dirty="0"/>
+              <a:t>Nome: </a:t>
+            </a:r>
+            <a:r>
+              <a:rPr lang="pt-BR" sz="2400" dirty="0" smtClean="0"/>
+              <a:t>“Banco Teste”</a:t>
+            </a:r>
+            <a:endParaRPr lang="pt-BR" sz="2400" dirty="0"/>
+          </a:p>
+          <a:p>
+            <a:r>
+              <a:rPr lang="pt-BR" sz="2400" dirty="0"/>
+              <a:t>Licença: BOOLEAN</a:t>
+            </a:r>
+          </a:p>
+          <a:p>
+            <a:r>
+              <a:rPr lang="pt-BR" sz="2400" dirty="0"/>
+              <a:t>Data de lançamento: </a:t>
+            </a:r>
+            <a:r>
+              <a:rPr lang="pt-BR" sz="2400" dirty="0" smtClean="0"/>
+              <a:t>“</a:t>
+            </a:r>
+            <a:r>
+              <a:rPr lang="pt-BR" dirty="0" smtClean="0"/>
+              <a:t>2000-01-01</a:t>
+            </a:r>
+            <a:r>
+              <a:rPr lang="pt-BR" dirty="0"/>
+              <a:t>”</a:t>
+            </a:r>
+            <a:endParaRPr lang="pt-BR" sz="2400" dirty="0"/>
+          </a:p>
+          <a:p>
+            <a:r>
+              <a:rPr lang="pt-BR" sz="2400" dirty="0"/>
+              <a:t>Data da ultima atualização: “</a:t>
+            </a:r>
+            <a:r>
+              <a:rPr lang="pt-BR" dirty="0" smtClean="0"/>
+              <a:t>2019-01-01”</a:t>
+            </a:r>
+            <a:endParaRPr lang="pt-BR" sz="2400" dirty="0"/>
+          </a:p>
+          <a:p>
+            <a:r>
+              <a:rPr lang="pt-BR" sz="2400" dirty="0"/>
+              <a:t>Suporte para Windows: </a:t>
+            </a:r>
+            <a:r>
+              <a:rPr lang="pt-BR" sz="2400" dirty="0" err="1"/>
+              <a:t>True</a:t>
+            </a:r>
+            <a:endParaRPr lang="pt-BR" sz="2400" dirty="0"/>
+          </a:p>
+          <a:p>
+            <a:r>
+              <a:rPr lang="pt-BR" sz="2400" dirty="0"/>
+              <a:t>Suporte para Linux: </a:t>
+            </a:r>
+            <a:r>
+              <a:rPr lang="pt-BR" sz="2400" dirty="0" err="1"/>
+              <a:t>True</a:t>
+            </a:r>
+            <a:endParaRPr lang="pt-BR" sz="2400" dirty="0"/>
+          </a:p>
+          <a:p>
+            <a:r>
+              <a:rPr lang="pt-BR" sz="2400" dirty="0"/>
+              <a:t>Suporte para MAC: </a:t>
+            </a:r>
+            <a:r>
+              <a:rPr lang="pt-BR" sz="2400" dirty="0" smtClean="0"/>
+              <a:t>False</a:t>
+            </a:r>
+            <a:endParaRPr lang="pt-BR" sz="2400" dirty="0"/>
+          </a:p>
+          <a:p>
+            <a:r>
+              <a:rPr lang="pt-BR" sz="2400" dirty="0"/>
+              <a:t>Indexação </a:t>
+            </a:r>
+            <a:r>
+              <a:rPr lang="pt-BR" sz="2400" dirty="0" err="1"/>
+              <a:t>Hash</a:t>
+            </a:r>
+            <a:r>
+              <a:rPr lang="pt-BR" sz="2400" dirty="0"/>
+              <a:t>: </a:t>
+            </a:r>
+            <a:r>
+              <a:rPr lang="pt-BR" sz="2400" dirty="0" err="1"/>
+              <a:t>True</a:t>
+            </a:r>
+            <a:endParaRPr lang="pt-BR" sz="2400" dirty="0"/>
+          </a:p>
+          <a:p>
+            <a:r>
+              <a:rPr lang="pt-BR" sz="2400" dirty="0"/>
+              <a:t>Suporte à REGEX: False</a:t>
+            </a:r>
+          </a:p>
+        </p:txBody>
+      </p:sp>
+      <p:sp>
+        <p:nvSpPr>
+          <p:cNvPr id="6" name="Espaço Reservado para Conteúdo 5">
+            <a:extLst>
+              <a:ext uri="{FF2B5EF4-FFF2-40B4-BE49-F238E27FC236}">
+                <a16:creationId xmlns:a16="http://schemas.microsoft.com/office/drawing/2014/main" id="{BF59EC18-8E8B-4A31-B573-8990EE3F02F6}"/>
+              </a:ext>
+            </a:extLst>
+          </p:cNvPr>
+          <p:cNvSpPr>
+            <a:spLocks noGrp="1"/>
+          </p:cNvSpPr>
+          <p:nvPr>
+            <p:ph sz="half" idx="2"/>
+          </p:nvPr>
+        </p:nvSpPr>
+        <p:spPr>
+          <a:xfrm>
+            <a:off x="6380428" y="1825625"/>
+            <a:ext cx="4976000" cy="4351338"/>
+          </a:xfrm>
+        </p:spPr>
+        <p:txBody>
+          <a:bodyPr>
+            <a:normAutofit fontScale="92500"/>
+          </a:bodyPr>
+          <a:lstStyle/>
+          <a:p>
+            <a:r>
+              <a:rPr lang="pt-BR" sz="2400" dirty="0"/>
+              <a:t>Tamanho máximo banco: </a:t>
+            </a:r>
+            <a:r>
+              <a:rPr lang="pt-BR" sz="2400" dirty="0" smtClean="0"/>
+              <a:t>GB</a:t>
+            </a:r>
+            <a:endParaRPr lang="pt-BR" sz="2400" dirty="0"/>
+          </a:p>
+          <a:p>
+            <a:r>
+              <a:rPr lang="pt-BR" sz="2400" dirty="0"/>
+              <a:t>Tamanho máximo tabela: </a:t>
+            </a:r>
+            <a:r>
+              <a:rPr lang="pt-BR" sz="2400" dirty="0" smtClean="0"/>
+              <a:t>GB</a:t>
+            </a:r>
+            <a:endParaRPr lang="pt-BR" sz="2400" dirty="0"/>
+          </a:p>
+          <a:p>
+            <a:r>
+              <a:rPr lang="pt-BR" sz="2400" dirty="0"/>
+              <a:t>Tamanho máximo linha: KB</a:t>
+            </a:r>
+          </a:p>
+          <a:p>
+            <a:r>
+              <a:rPr lang="pt-BR" sz="2400" dirty="0"/>
+              <a:t>Tamanho máximo </a:t>
+            </a:r>
+            <a:r>
+              <a:rPr lang="pt-BR" sz="2400" dirty="0" err="1"/>
+              <a:t>blob</a:t>
+            </a:r>
+            <a:r>
+              <a:rPr lang="pt-BR" sz="2400" dirty="0"/>
+              <a:t>: GB</a:t>
+            </a:r>
+          </a:p>
+          <a:p>
+            <a:r>
+              <a:rPr lang="pt-BR" sz="2400" dirty="0"/>
+              <a:t>Suporte queries em paralelo: </a:t>
+            </a:r>
+            <a:r>
+              <a:rPr lang="pt-BR" sz="2400" dirty="0" smtClean="0"/>
+              <a:t>False</a:t>
+            </a:r>
+            <a:endParaRPr lang="pt-BR" sz="2400" dirty="0"/>
+          </a:p>
+          <a:p>
+            <a:r>
+              <a:rPr lang="pt-BR" sz="2400" dirty="0"/>
+              <a:t>Auditoria: </a:t>
+            </a:r>
+            <a:r>
+              <a:rPr lang="pt-BR" sz="2400" dirty="0" smtClean="0"/>
+              <a:t>False</a:t>
+            </a:r>
+            <a:endParaRPr lang="pt-BR" sz="2400" dirty="0"/>
+          </a:p>
+          <a:p>
+            <a:endParaRPr lang="pt-BR" sz="2400" dirty="0"/>
+          </a:p>
+        </p:txBody>
+      </p:sp>
+    </p:spTree>
+    <p:extLst>
+      <p:ext uri="{BB962C8B-B14F-4D97-AF65-F5344CB8AC3E}">
+        <p14:creationId xmlns:p14="http://schemas.microsoft.com/office/powerpoint/2010/main" val="2829869737"/>
+      </p:ext>
+    </p:extLst>
+  </p:cSld>
+  <p:clrMapOvr>
+    <a:masterClrMapping/>
+  </p:clrMapOvr>
+</p:sld>
+</file>
+
+<file path=ppt/slides/slide7.xml><?xml version="1.0" encoding="utf-8"?>
+<p:sld xmlns:a="http://schemas.openxmlformats.org/drawingml/2006/main" xmlns:r="http://schemas.openxmlformats.org/officeDocument/2006/relationships" xmlns:p="http://schemas.openxmlformats.org/presentationml/2006/main">
+  <p:cSld>
+    <p:spTree>
+      <p:nvGrpSpPr>
+        <p:cNvPr id="1" name=""/>
+        <p:cNvGrpSpPr/>
+        <p:nvPr/>
+      </p:nvGrpSpPr>
+      <p:grpSpPr>
+        <a:xfrm>
+          <a:off x="0" y="0"/>
+          <a:ext cx="0" cy="0"/>
+          <a:chOff x="0" y="0"/>
+          <a:chExt cx="0" cy="0"/>
+        </a:xfrm>
+      </p:grpSpPr>
+      <p:sp>
+        <p:nvSpPr>
+          <p:cNvPr id="5" name="Título 4"/>
+          <p:cNvSpPr>
+            <a:spLocks noGrp="1"/>
+          </p:cNvSpPr>
+          <p:nvPr>
+            <p:ph type="title"/>
+          </p:nvPr>
+        </p:nvSpPr>
+        <p:spPr/>
+        <p:txBody>
+          <a:bodyPr/>
+          <a:lstStyle/>
+          <a:p>
+            <a:r>
+              <a:rPr lang="pt-BR" dirty="0" smtClean="0"/>
+              <a:t>Resultado</a:t>
+            </a:r>
+            <a:endParaRPr lang="pt-BR" dirty="0"/>
+          </a:p>
+        </p:txBody>
+      </p:sp>
+      <p:pic>
+        <p:nvPicPr>
+          <p:cNvPr id="9" name="Espaço Reservado para Conteúdo 8"/>
+          <p:cNvPicPr>
+            <a:picLocks noGrp="1" noChangeAspect="1"/>
+          </p:cNvPicPr>
+          <p:nvPr>
+            <p:ph idx="1"/>
+          </p:nvPr>
+        </p:nvPicPr>
+        <p:blipFill>
+          <a:blip r:embed="rId2">
+            <a:extLst>
+              <a:ext uri="{28A0092B-C50C-407E-A947-70E740481C1C}">
+                <a14:useLocalDpi xmlns:a14="http://schemas.microsoft.com/office/drawing/2010/main" val="0"/>
+              </a:ext>
+            </a:extLst>
+          </a:blip>
+          <a:stretch>
+            <a:fillRect/>
+          </a:stretch>
+        </p:blipFill>
+        <p:spPr>
+          <a:xfrm>
+            <a:off x="266700" y="2644209"/>
+            <a:ext cx="11658600" cy="855946"/>
+          </a:xfrm>
+        </p:spPr>
+      </p:pic>
+    </p:spTree>
+    <p:extLst>
+      <p:ext uri="{BB962C8B-B14F-4D97-AF65-F5344CB8AC3E}">
+        <p14:creationId xmlns:p14="http://schemas.microsoft.com/office/powerpoint/2010/main" val="3900076289"/>
       </p:ext>
     </p:extLst>
   </p:cSld>
